--- a/AltArmAbgehängt.pptx
+++ b/AltArmAbgehängt.pptx
@@ -1202,7 +1202,7 @@
       </p:grpSpPr>
       <p:sp>
         <p:nvSpPr>
-          <p:cNvPr id="372" name="Google Shape;372;p10:notes"/>
+          <p:cNvPr id="372" name="Google Shape;372;g35c9cd4a975_0_12:notes"/>
           <p:cNvSpPr txBox="1"/>
           <p:nvPr>
             <p:ph idx="1" type="body"/>
@@ -1211,7 +1211,7 @@
         <p:spPr>
           <a:xfrm>
             <a:off x="755950" y="5078600"/>
-            <a:ext cx="6047725" cy="4811300"/>
+            <a:ext cx="6047700" cy="4811400"/>
           </a:xfrm>
           <a:prstGeom prst="rect">
             <a:avLst/>
@@ -1241,7 +1241,7 @@
       </p:sp>
       <p:sp>
         <p:nvSpPr>
-          <p:cNvPr id="373" name="Google Shape;373;p10:notes"/>
+          <p:cNvPr id="373" name="Google Shape;373;g35c9cd4a975_0_12:notes"/>
           <p:cNvSpPr/>
           <p:nvPr>
             <p:ph idx="2" type="sldImg"/>
@@ -1250,7 +1250,7 @@
         <p:spPr>
           <a:xfrm>
             <a:off x="1260175" y="801875"/>
-            <a:ext cx="5040025" cy="4009425"/>
+            <a:ext cx="5040000" cy="4009500"/>
           </a:xfrm>
           <a:custGeom>
             <a:rect b="b" l="l" r="r" t="t"/>
@@ -1287,7 +1287,7 @@
   <p:cSld>
     <p:spTree>
       <p:nvGrpSpPr>
-        <p:cNvPr id="377" name="Shape 377"/>
+        <p:cNvPr id="378" name="Shape 378"/>
         <p:cNvGrpSpPr/>
         <p:nvPr/>
       </p:nvGrpSpPr>
@@ -1301,7 +1301,7 @@
       </p:grpSpPr>
       <p:sp>
         <p:nvSpPr>
-          <p:cNvPr id="378" name="Google Shape;378;p7:notes"/>
+          <p:cNvPr id="379" name="Google Shape;379;p7:notes"/>
           <p:cNvSpPr txBox="1"/>
           <p:nvPr>
             <p:ph idx="1" type="body"/>
@@ -1340,7 +1340,7 @@
       </p:sp>
       <p:sp>
         <p:nvSpPr>
-          <p:cNvPr id="379" name="Google Shape;379;p7:notes"/>
+          <p:cNvPr id="380" name="Google Shape;380;p7:notes"/>
           <p:cNvSpPr/>
           <p:nvPr>
             <p:ph idx="2" type="sldImg"/>
@@ -1386,7 +1386,7 @@
   <p:cSld>
     <p:spTree>
       <p:nvGrpSpPr>
-        <p:cNvPr id="384" name="Shape 384"/>
+        <p:cNvPr id="385" name="Shape 385"/>
         <p:cNvGrpSpPr/>
         <p:nvPr/>
       </p:nvGrpSpPr>
@@ -1400,7 +1400,7 @@
       </p:grpSpPr>
       <p:sp>
         <p:nvSpPr>
-          <p:cNvPr id="385" name="Google Shape;385;g35bbca9ea2e_0_2:notes"/>
+          <p:cNvPr id="386" name="Google Shape;386;g35bbca9ea2e_0_2:notes"/>
           <p:cNvSpPr/>
           <p:nvPr>
             <p:ph idx="2" type="sldImg"/>
@@ -1435,7 +1435,7 @@
       </p:sp>
       <p:sp>
         <p:nvSpPr>
-          <p:cNvPr id="386" name="Google Shape;386;g35bbca9ea2e_0_2:notes"/>
+          <p:cNvPr id="387" name="Google Shape;387;g35bbca9ea2e_0_2:notes"/>
           <p:cNvSpPr txBox="1"/>
           <p:nvPr>
             <p:ph idx="1" type="body"/>
@@ -1485,7 +1485,7 @@
   <p:cSld>
     <p:spTree>
       <p:nvGrpSpPr>
-        <p:cNvPr id="390" name="Shape 390"/>
+        <p:cNvPr id="391" name="Shape 391"/>
         <p:cNvGrpSpPr/>
         <p:nvPr/>
       </p:nvGrpSpPr>
@@ -1499,7 +1499,7 @@
       </p:grpSpPr>
       <p:sp>
         <p:nvSpPr>
-          <p:cNvPr id="391" name="Google Shape;391;p13:notes"/>
+          <p:cNvPr id="392" name="Google Shape;392;p13:notes"/>
           <p:cNvSpPr txBox="1"/>
           <p:nvPr>
             <p:ph idx="1" type="body"/>
@@ -1538,7 +1538,7 @@
       </p:sp>
       <p:sp>
         <p:nvSpPr>
-          <p:cNvPr id="392" name="Google Shape;392;p13:notes"/>
+          <p:cNvPr id="393" name="Google Shape;393;p13:notes"/>
           <p:cNvSpPr/>
           <p:nvPr>
             <p:ph idx="2" type="sldImg"/>
@@ -40651,7 +40651,7 @@
         </p:nvSpPr>
         <p:spPr>
           <a:xfrm>
-            <a:off x="529332" y="1206050"/>
+            <a:off x="529357" y="1561800"/>
             <a:ext cx="9021900" cy="3497700"/>
           </a:xfrm>
           <a:prstGeom prst="rect">
@@ -40760,7 +40760,7 @@
                   <a:schemeClr val="dk1"/>
                 </a:solidFill>
               </a:rPr>
-              <a:t>Indikatoren: Altersarmut 65+, Rentenausgaben (% BIP), Demografie</a:t>
+              <a:t>Inhalte: Altersarmut 65+, Rentenausgaben (% BIP), Demografie</a:t>
             </a:r>
             <a:br>
               <a:rPr lang="de-DE" sz="905">
@@ -40836,7 +40836,7 @@
                   <a:schemeClr val="dk1"/>
                 </a:solidFill>
               </a:rPr>
-              <a:t>Risiko: Datenlücken, uneinheitliche Formate</a:t>
+              <a:t>Ziel: belastbare Vergleichsbasis</a:t>
             </a:r>
             <a:br>
               <a:rPr lang="de-DE" sz="905">
@@ -40906,7 +40906,7 @@
                   <a:schemeClr val="dk1"/>
                 </a:solidFill>
               </a:rPr>
-              <a:t>Vergleich: Länder mit hoher/niedriger Quote</a:t>
+              <a:t>Vergleich zwischen Ländern</a:t>
             </a:r>
             <a:br>
               <a:rPr lang="de-DE" sz="905">
@@ -40998,44 +40998,6 @@
             </a:endParaRPr>
           </a:p>
           <a:p>
-            <a:pPr indent="-286067" lvl="0" marL="457200" rtl="0" algn="l">
-              <a:lnSpc>
-                <a:spcPct val="95000"/>
-              </a:lnSpc>
-              <a:spcBef>
-                <a:spcPts val="0"/>
-              </a:spcBef>
-              <a:spcAft>
-                <a:spcPts val="0"/>
-              </a:spcAft>
-              <a:buClr>
-                <a:schemeClr val="dk1"/>
-              </a:buClr>
-              <a:buSzPts val="905"/>
-              <a:buChar char="●"/>
-            </a:pPr>
-            <a:r>
-              <a:rPr lang="de-DE" sz="905">
-                <a:solidFill>
-                  <a:schemeClr val="dk1"/>
-                </a:solidFill>
-              </a:rPr>
-              <a:t>Risiko: fehlende Subgruppendaten</a:t>
-            </a:r>
-            <a:br>
-              <a:rPr lang="de-DE" sz="905">
-                <a:solidFill>
-                  <a:schemeClr val="dk1"/>
-                </a:solidFill>
-              </a:rPr>
-            </a:br>
-            <a:endParaRPr sz="905">
-              <a:solidFill>
-                <a:schemeClr val="dk1"/>
-              </a:solidFill>
-            </a:endParaRPr>
-          </a:p>
-          <a:p>
             <a:pPr indent="0" lvl="0" marL="0" rtl="0" algn="l">
               <a:lnSpc>
                 <a:spcPct val="95000"/>
@@ -41090,7 +41052,7 @@
                   <a:schemeClr val="dk1"/>
                 </a:solidFill>
               </a:rPr>
-              <a:t>Formate: Heatmaps, Zeitreihen, Scatterplots</a:t>
+              <a:t>Klare, zugängliche Darstellung komplexer Zusammenhänge</a:t>
             </a:r>
             <a:br>
               <a:rPr lang="de-DE" sz="905">
@@ -41128,83 +41090,7 @@
                   <a:schemeClr val="dk1"/>
                 </a:solidFill>
               </a:rPr>
-              <a:t>Anforderungen: barrierefrei, exportierbar</a:t>
-            </a:r>
-            <a:br>
-              <a:rPr lang="de-DE" sz="905">
-                <a:solidFill>
-                  <a:schemeClr val="dk1"/>
-                </a:solidFill>
-              </a:rPr>
-            </a:br>
-            <a:endParaRPr sz="905">
-              <a:solidFill>
-                <a:schemeClr val="dk1"/>
-              </a:solidFill>
-            </a:endParaRPr>
-          </a:p>
-          <a:p>
-            <a:pPr indent="-286067" lvl="0" marL="457200" rtl="0" algn="l">
-              <a:lnSpc>
-                <a:spcPct val="95000"/>
-              </a:lnSpc>
-              <a:spcBef>
-                <a:spcPts val="0"/>
-              </a:spcBef>
-              <a:spcAft>
-                <a:spcPts val="0"/>
-              </a:spcAft>
-              <a:buClr>
-                <a:schemeClr val="dk1"/>
-              </a:buClr>
-              <a:buSzPts val="905"/>
-              <a:buChar char="●"/>
-            </a:pPr>
-            <a:r>
-              <a:rPr lang="de-DE" sz="905">
-                <a:solidFill>
-                  <a:schemeClr val="dk1"/>
-                </a:solidFill>
-              </a:rPr>
-              <a:t>Ziel: Datenzugänglichkeit &amp; Klarheit</a:t>
-            </a:r>
-            <a:br>
-              <a:rPr lang="de-DE" sz="905">
-                <a:solidFill>
-                  <a:schemeClr val="dk1"/>
-                </a:solidFill>
-              </a:rPr>
-            </a:br>
-            <a:endParaRPr sz="905">
-              <a:solidFill>
-                <a:schemeClr val="dk1"/>
-              </a:solidFill>
-            </a:endParaRPr>
-          </a:p>
-          <a:p>
-            <a:pPr indent="-286067" lvl="0" marL="457200" rtl="0" algn="l">
-              <a:lnSpc>
-                <a:spcPct val="95000"/>
-              </a:lnSpc>
-              <a:spcBef>
-                <a:spcPts val="0"/>
-              </a:spcBef>
-              <a:spcAft>
-                <a:spcPts val="0"/>
-              </a:spcAft>
-              <a:buClr>
-                <a:schemeClr val="dk1"/>
-              </a:buClr>
-              <a:buSzPts val="905"/>
-              <a:buChar char="●"/>
-            </a:pPr>
-            <a:r>
-              <a:rPr lang="de-DE" sz="905">
-                <a:solidFill>
-                  <a:schemeClr val="dk1"/>
-                </a:solidFill>
-              </a:rPr>
-              <a:t>Risiko: Fehlinterpretationen durch Darstellung</a:t>
+              <a:t>Ziel: politische und gesellschaftliche Verständlichkeit</a:t>
             </a:r>
             <a:endParaRPr sz="905">
               <a:solidFill>
@@ -41302,6 +41188,18 @@
 <file path=ppt/slides/slide14.xml><?xml version="1.0" encoding="utf-8"?>
 <p:sld xmlns:a="http://schemas.openxmlformats.org/drawingml/2006/main" xmlns:r="http://schemas.openxmlformats.org/officeDocument/2006/relationships" xmlns:mc="http://schemas.openxmlformats.org/markup-compatibility/2006" xmlns:mv="urn:schemas-microsoft-com:mac:vml" xmlns:p="http://schemas.openxmlformats.org/presentationml/2006/main" xmlns:c="http://schemas.openxmlformats.org/drawingml/2006/chart" xmlns:dgm="http://schemas.openxmlformats.org/drawingml/2006/diagram" xmlns:o="urn:schemas-microsoft-com:office:office" xmlns:v="urn:schemas-microsoft-com:vml" xmlns:pvml="urn:schemas-microsoft-com:office:powerpoint" xmlns:com="http://schemas.openxmlformats.org/drawingml/2006/compatibility" xmlns:p14="http://schemas.microsoft.com/office/powerpoint/2010/main" xmlns:p15="http://schemas.microsoft.com/office/powerpoint/2012/main" xmlns:ahyp="http://schemas.microsoft.com/office/drawing/2018/hyperlinkcolor">
   <p:cSld>
+    <p:bg>
+      <p:bgPr>
+        <a:blipFill>
+          <a:blip r:embed="rId3">
+            <a:alphaModFix/>
+          </a:blip>
+          <a:stretch>
+            <a:fillRect/>
+          </a:stretch>
+        </a:blipFill>
+      </p:bgPr>
+    </p:bg>
     <p:spTree>
       <p:nvGrpSpPr>
         <p:cNvPr id="374" name="Shape 374"/>
@@ -41321,13 +41219,13 @@
           <p:cNvPr id="375" name="Google Shape;375;p53"/>
           <p:cNvSpPr txBox="1"/>
           <p:nvPr>
-            <p:ph idx="1" type="subTitle"/>
+            <p:ph type="title"/>
           </p:nvPr>
         </p:nvSpPr>
         <p:spPr>
           <a:xfrm>
-            <a:off x="502920" y="630720"/>
-            <a:ext cx="9071640" cy="4388760"/>
+            <a:off x="502920" y="90720"/>
+            <a:ext cx="9071700" cy="946800"/>
           </a:xfrm>
           <a:prstGeom prst="rect">
             <a:avLst/>
@@ -41338,7 +41236,72 @@
           </a:ln>
         </p:spPr>
         <p:txBody>
-          <a:bodyPr anchorCtr="0" anchor="ctr" bIns="0" lIns="0" spcFirstLastPara="1" rIns="0" wrap="square" tIns="0">
+          <a:bodyPr anchorCtr="0" anchor="b" bIns="0" lIns="0" spcFirstLastPara="1" rIns="0" wrap="square" tIns="0">
+            <a:normAutofit/>
+          </a:bodyPr>
+          <a:lstStyle/>
+          <a:p>
+            <a:pPr indent="0" lvl="0" marL="0" rtl="0" algn="l">
+              <a:spcBef>
+                <a:spcPts val="0"/>
+              </a:spcBef>
+              <a:spcAft>
+                <a:spcPts val="0"/>
+              </a:spcAft>
+              <a:buClr>
+                <a:srgbClr val="FFFFFF"/>
+              </a:buClr>
+              <a:buSzPts val="4500"/>
+              <a:buFont typeface="Arial"/>
+              <a:buNone/>
+            </a:pPr>
+            <a:r>
+              <a:rPr b="1" lang="de-DE" sz="4500" strike="noStrike">
+                <a:solidFill>
+                  <a:srgbClr val="FFFFFF"/>
+                </a:solidFill>
+                <a:latin typeface="Arial"/>
+                <a:ea typeface="Arial"/>
+                <a:cs typeface="Arial"/>
+                <a:sym typeface="Arial"/>
+              </a:rPr>
+              <a:t>Lasten</a:t>
+            </a:r>
+            <a:endParaRPr b="0" sz="4500" strike="noStrike">
+              <a:solidFill>
+                <a:srgbClr val="FFFFFF"/>
+              </a:solidFill>
+              <a:latin typeface="Arial"/>
+              <a:ea typeface="Arial"/>
+              <a:cs typeface="Arial"/>
+              <a:sym typeface="Arial"/>
+            </a:endParaRPr>
+          </a:p>
+        </p:txBody>
+      </p:sp>
+      <p:sp>
+        <p:nvSpPr>
+          <p:cNvPr id="376" name="Google Shape;376;p53"/>
+          <p:cNvSpPr txBox="1"/>
+          <p:nvPr>
+            <p:ph idx="1" type="body"/>
+          </p:nvPr>
+        </p:nvSpPr>
+        <p:spPr>
+          <a:xfrm>
+            <a:off x="529357" y="1561800"/>
+            <a:ext cx="9021900" cy="3497700"/>
+          </a:xfrm>
+          <a:prstGeom prst="rect">
+            <a:avLst/>
+          </a:prstGeom>
+          <a:noFill/>
+          <a:ln>
+            <a:noFill/>
+          </a:ln>
+        </p:spPr>
+        <p:txBody>
+          <a:bodyPr anchorCtr="0" anchor="t" bIns="0" lIns="0" spcFirstLastPara="1" rIns="0" wrap="square" tIns="0">
             <a:noAutofit/>
           </a:bodyPr>
           <a:lstStyle/>
@@ -41353,22 +41316,165 @@
               <a:spcAft>
                 <a:spcPts val="0"/>
               </a:spcAft>
-              <a:buClr>
-                <a:schemeClr val="dk1"/>
-              </a:buClr>
-              <a:buSzPts val="1100"/>
-              <a:buFont typeface="Arial"/>
               <a:buNone/>
             </a:pPr>
             <a:r>
-              <a:rPr b="1" lang="de-DE" sz="1100">
+              <a:rPr b="1" lang="de-DE" sz="900">
                 <a:solidFill>
                   <a:schemeClr val="dk1"/>
                 </a:solidFill>
               </a:rPr>
-              <a:t>4. Korrelation Rentenausgaben ↔ Altersarmut</a:t>
+              <a:t>4. Zusammenhänge zwischen Rentenausgaben &amp; Altersarmut</a:t>
             </a:r>
-            <a:endParaRPr b="1" sz="1100">
+            <a:endParaRPr b="1" sz="900">
+              <a:solidFill>
+                <a:schemeClr val="dk1"/>
+              </a:solidFill>
+            </a:endParaRPr>
+          </a:p>
+          <a:p>
+            <a:pPr indent="-285750" lvl="0" marL="457200" rtl="0" algn="l">
+              <a:lnSpc>
+                <a:spcPct val="115000"/>
+              </a:lnSpc>
+              <a:spcBef>
+                <a:spcPts val="1200"/>
+              </a:spcBef>
+              <a:spcAft>
+                <a:spcPts val="0"/>
+              </a:spcAft>
+              <a:buClr>
+                <a:schemeClr val="dk1"/>
+              </a:buClr>
+              <a:buSzPts val="900"/>
+              <a:buChar char="●"/>
+            </a:pPr>
+            <a:r>
+              <a:rPr lang="de-DE" sz="900">
+                <a:solidFill>
+                  <a:schemeClr val="dk1"/>
+                </a:solidFill>
+              </a:rPr>
+              <a:t>Frage: Gibt es eine Verbindung zwischen Ausgabehöhe und Armutsquote?</a:t>
+            </a:r>
+            <a:br>
+              <a:rPr lang="de-DE" sz="900">
+                <a:solidFill>
+                  <a:schemeClr val="dk1"/>
+                </a:solidFill>
+              </a:rPr>
+            </a:br>
+            <a:endParaRPr sz="900">
+              <a:solidFill>
+                <a:schemeClr val="dk1"/>
+              </a:solidFill>
+            </a:endParaRPr>
+          </a:p>
+          <a:p>
+            <a:pPr indent="-285750" lvl="0" marL="457200" rtl="0" algn="l">
+              <a:lnSpc>
+                <a:spcPct val="115000"/>
+              </a:lnSpc>
+              <a:spcBef>
+                <a:spcPts val="0"/>
+              </a:spcBef>
+              <a:spcAft>
+                <a:spcPts val="0"/>
+              </a:spcAft>
+              <a:buClr>
+                <a:schemeClr val="dk1"/>
+              </a:buClr>
+              <a:buSzPts val="900"/>
+              <a:buChar char="●"/>
+            </a:pPr>
+            <a:r>
+              <a:rPr lang="de-DE" sz="900">
+                <a:solidFill>
+                  <a:schemeClr val="dk1"/>
+                </a:solidFill>
+              </a:rPr>
+              <a:t>Ziel: strukturelle Merkmale erfolgreicher Systeme sichtbar machen</a:t>
+            </a:r>
+            <a:br>
+              <a:rPr lang="de-DE" sz="900">
+                <a:solidFill>
+                  <a:schemeClr val="dk1"/>
+                </a:solidFill>
+              </a:rPr>
+            </a:br>
+            <a:br>
+              <a:rPr lang="de-DE" sz="900">
+                <a:solidFill>
+                  <a:schemeClr val="dk1"/>
+                </a:solidFill>
+              </a:rPr>
+            </a:br>
+            <a:endParaRPr sz="900">
+              <a:solidFill>
+                <a:schemeClr val="dk1"/>
+              </a:solidFill>
+            </a:endParaRPr>
+          </a:p>
+          <a:p>
+            <a:pPr indent="0" lvl="0" marL="0" rtl="0" algn="l">
+              <a:lnSpc>
+                <a:spcPct val="115000"/>
+              </a:lnSpc>
+              <a:spcBef>
+                <a:spcPts val="1200"/>
+              </a:spcBef>
+              <a:spcAft>
+                <a:spcPts val="0"/>
+              </a:spcAft>
+              <a:buNone/>
+            </a:pPr>
+            <a:r>
+              <a:rPr b="1" lang="de-DE" sz="900">
+                <a:solidFill>
+                  <a:schemeClr val="dk1"/>
+                </a:solidFill>
+              </a:rPr>
+              <a:t>5. Politische Empfehlungen</a:t>
+            </a:r>
+            <a:endParaRPr b="1" sz="900">
+              <a:solidFill>
+                <a:schemeClr val="dk1"/>
+              </a:solidFill>
+            </a:endParaRPr>
+          </a:p>
+          <a:p>
+            <a:pPr indent="-285750" lvl="0" marL="457200" rtl="0" algn="l">
+              <a:lnSpc>
+                <a:spcPct val="115000"/>
+              </a:lnSpc>
+              <a:spcBef>
+                <a:spcPts val="1200"/>
+              </a:spcBef>
+              <a:spcAft>
+                <a:spcPts val="0"/>
+              </a:spcAft>
+              <a:buClr>
+                <a:schemeClr val="dk1"/>
+              </a:buClr>
+              <a:buSzPts val="900"/>
+              <a:buChar char="●"/>
+            </a:pPr>
+            <a:r>
+              <a:rPr lang="de-DE" sz="900">
+                <a:solidFill>
+                  <a:schemeClr val="dk1"/>
+                </a:solidFill>
+              </a:rPr>
+              <a:t>Ableitung aus Datenanalysen und Länderunterschieden</a:t>
+            </a:r>
+            <a:br>
+              <a:rPr lang="de-DE" sz="900">
+                <a:solidFill>
+                  <a:schemeClr val="dk1"/>
+                </a:solidFill>
+              </a:rPr>
+            </a:br>
+            <a:endParaRPr sz="900">
               <a:solidFill>
                 <a:schemeClr val="dk1"/>
               </a:solidFill>
@@ -41380,7 +41486,7 @@
                 <a:spcPct val="115000"/>
               </a:lnSpc>
               <a:spcBef>
-                <a:spcPts val="1200"/>
+                <a:spcPts val="0"/>
               </a:spcBef>
               <a:spcAft>
                 <a:spcPts val="0"/>
@@ -41392,303 +41498,44 @@
               <a:buChar char="●"/>
             </a:pPr>
             <a:r>
-              <a:rPr lang="de-DE" sz="1100">
+              <a:rPr lang="de-DE" sz="900">
                 <a:solidFill>
                   <a:schemeClr val="dk1"/>
                 </a:solidFill>
               </a:rPr>
-              <a:t>Methoden: Pearson-Korrelation, Regression</a:t>
+              <a:t>Ziel: konkrete Impulse für soziale Ausgleichsmaße</a:t>
             </a:r>
-            <a:br>
-              <a:rPr lang="de-DE" sz="1100">
-                <a:solidFill>
-                  <a:schemeClr val="dk1"/>
-                </a:solidFill>
-              </a:rPr>
-            </a:br>
-            <a:endParaRPr sz="1100">
+            <a:endParaRPr b="1" sz="905">
               <a:solidFill>
                 <a:schemeClr val="dk1"/>
               </a:solidFill>
             </a:endParaRPr>
           </a:p>
           <a:p>
-            <a:pPr indent="-298450" lvl="0" marL="457200" rtl="0" algn="l">
+            <a:pPr indent="0" lvl="0" marL="0" marR="0" rtl="0" algn="l">
               <a:lnSpc>
-                <a:spcPct val="115000"/>
+                <a:spcPct val="80000"/>
               </a:lnSpc>
               <a:spcBef>
-                <a:spcPts val="0"/>
-              </a:spcBef>
-              <a:spcAft>
-                <a:spcPts val="0"/>
-              </a:spcAft>
-              <a:buClr>
-                <a:schemeClr val="dk1"/>
-              </a:buClr>
-              <a:buSzPts val="1100"/>
-              <a:buChar char="●"/>
-            </a:pPr>
-            <a:r>
-              <a:rPr lang="de-DE" sz="1100">
-                <a:solidFill>
-                  <a:schemeClr val="dk1"/>
-                </a:solidFill>
-              </a:rPr>
-              <a:t>Ziel: Statistischer Zusammenhang sichtbar machen</a:t>
-            </a:r>
-            <a:br>
-              <a:rPr lang="de-DE" sz="1100">
-                <a:solidFill>
-                  <a:schemeClr val="dk1"/>
-                </a:solidFill>
-              </a:rPr>
-            </a:br>
-            <a:endParaRPr sz="1100">
-              <a:solidFill>
-                <a:schemeClr val="dk1"/>
-              </a:solidFill>
-            </a:endParaRPr>
-          </a:p>
-          <a:p>
-            <a:pPr indent="-298450" lvl="0" marL="457200" rtl="0" algn="l">
-              <a:lnSpc>
-                <a:spcPct val="115000"/>
-              </a:lnSpc>
-              <a:spcBef>
-                <a:spcPts val="0"/>
-              </a:spcBef>
-              <a:spcAft>
-                <a:spcPts val="0"/>
-              </a:spcAft>
-              <a:buClr>
-                <a:schemeClr val="dk1"/>
-              </a:buClr>
-              <a:buSzPts val="1100"/>
-              <a:buChar char="●"/>
-            </a:pPr>
-            <a:r>
-              <a:rPr lang="de-DE" sz="1100">
-                <a:solidFill>
-                  <a:schemeClr val="dk1"/>
-                </a:solidFill>
-              </a:rPr>
-              <a:t>Risiko: Scheinkorrelationen, unvollständige Finanzdaten</a:t>
-            </a:r>
-            <a:br>
-              <a:rPr lang="de-DE" sz="1100">
-                <a:solidFill>
-                  <a:schemeClr val="dk1"/>
-                </a:solidFill>
-              </a:rPr>
-            </a:br>
-            <a:endParaRPr sz="1100">
-              <a:solidFill>
-                <a:schemeClr val="dk1"/>
-              </a:solidFill>
-            </a:endParaRPr>
-          </a:p>
-          <a:p>
-            <a:pPr indent="0" lvl="0" marL="0" rtl="0" algn="l">
-              <a:lnSpc>
-                <a:spcPct val="115000"/>
-              </a:lnSpc>
-              <a:spcBef>
                 <a:spcPts val="1200"/>
               </a:spcBef>
               <a:spcAft>
                 <a:spcPts val="0"/>
               </a:spcAft>
-              <a:buClr>
-                <a:schemeClr val="dk1"/>
-              </a:buClr>
-              <a:buSzPts val="1100"/>
+              <a:buSzPts val="1320"/>
               <a:buFont typeface="Arial"/>
-              <a:buNone/>
-            </a:pPr>
-            <a:r>
-              <a:rPr b="1" lang="de-DE" sz="1100">
-                <a:solidFill>
-                  <a:schemeClr val="dk1"/>
-                </a:solidFill>
-              </a:rPr>
-              <a:t>5. Politische Empfehlungen</a:t>
-            </a:r>
-            <a:endParaRPr b="1" sz="1100">
-              <a:solidFill>
-                <a:schemeClr val="dk1"/>
-              </a:solidFill>
-            </a:endParaRPr>
-          </a:p>
-          <a:p>
-            <a:pPr indent="-298450" lvl="0" marL="457200" rtl="0" algn="l">
-              <a:lnSpc>
-                <a:spcPct val="115000"/>
-              </a:lnSpc>
-              <a:spcBef>
-                <a:spcPts val="1200"/>
-              </a:spcBef>
-              <a:spcAft>
-                <a:spcPts val="0"/>
-              </a:spcAft>
-              <a:buClr>
-                <a:schemeClr val="dk1"/>
-              </a:buClr>
-              <a:buSzPts val="1100"/>
-              <a:buChar char="●"/>
-            </a:pPr>
-            <a:r>
-              <a:rPr lang="de-DE" sz="1100">
-                <a:solidFill>
-                  <a:schemeClr val="dk1"/>
-                </a:solidFill>
-              </a:rPr>
-              <a:t>Basierend auf Analysen &amp; Visualisierungen</a:t>
-            </a:r>
-            <a:br>
-              <a:rPr lang="de-DE" sz="1100">
-                <a:solidFill>
-                  <a:schemeClr val="dk1"/>
-                </a:solidFill>
-              </a:rPr>
-            </a:br>
-            <a:endParaRPr sz="1100">
-              <a:solidFill>
-                <a:schemeClr val="dk1"/>
-              </a:solidFill>
-            </a:endParaRPr>
-          </a:p>
-          <a:p>
-            <a:pPr indent="-298450" lvl="0" marL="457200" rtl="0" algn="l">
-              <a:lnSpc>
-                <a:spcPct val="115000"/>
-              </a:lnSpc>
-              <a:spcBef>
-                <a:spcPts val="0"/>
-              </a:spcBef>
-              <a:spcAft>
-                <a:spcPts val="0"/>
-              </a:spcAft>
-              <a:buClr>
-                <a:schemeClr val="dk1"/>
-              </a:buClr>
-              <a:buSzPts val="1100"/>
-              <a:buChar char="●"/>
-            </a:pPr>
-            <a:r>
-              <a:rPr lang="de-DE" sz="1100">
-                <a:solidFill>
-                  <a:schemeClr val="dk1"/>
-                </a:solidFill>
-              </a:rPr>
-              <a:t>Fokus: soziale Ausgleichsmechanismen, Monitoring</a:t>
-            </a:r>
-            <a:br>
-              <a:rPr lang="de-DE" sz="1100">
-                <a:solidFill>
-                  <a:schemeClr val="dk1"/>
-                </a:solidFill>
-              </a:rPr>
-            </a:br>
-            <a:endParaRPr sz="1100">
-              <a:solidFill>
-                <a:schemeClr val="dk1"/>
-              </a:solidFill>
-            </a:endParaRPr>
-          </a:p>
-          <a:p>
-            <a:pPr indent="-298450" lvl="0" marL="457200" rtl="0" algn="l">
-              <a:lnSpc>
-                <a:spcPct val="115000"/>
-              </a:lnSpc>
-              <a:spcBef>
-                <a:spcPts val="0"/>
-              </a:spcBef>
-              <a:spcAft>
-                <a:spcPts val="0"/>
-              </a:spcAft>
-              <a:buClr>
-                <a:schemeClr val="dk1"/>
-              </a:buClr>
-              <a:buSzPts val="1100"/>
-              <a:buChar char="●"/>
-            </a:pPr>
-            <a:r>
-              <a:rPr lang="de-DE" sz="1100">
-                <a:solidFill>
-                  <a:schemeClr val="dk1"/>
-                </a:solidFill>
-              </a:rPr>
-              <a:t>Ziel: evidenzbasierte EU-Politik stärken</a:t>
-            </a:r>
-            <a:br>
-              <a:rPr lang="de-DE" sz="1100">
-                <a:solidFill>
-                  <a:schemeClr val="dk1"/>
-                </a:solidFill>
-              </a:rPr>
-            </a:br>
-            <a:endParaRPr sz="1100">
-              <a:solidFill>
-                <a:schemeClr val="dk1"/>
-              </a:solidFill>
-            </a:endParaRPr>
-          </a:p>
-          <a:p>
-            <a:pPr indent="-298450" lvl="0" marL="457200" rtl="0" algn="l">
-              <a:lnSpc>
-                <a:spcPct val="115000"/>
-              </a:lnSpc>
-              <a:spcBef>
-                <a:spcPts val="0"/>
-              </a:spcBef>
-              <a:spcAft>
-                <a:spcPts val="0"/>
-              </a:spcAft>
-              <a:buClr>
-                <a:schemeClr val="dk1"/>
-              </a:buClr>
-              <a:buSzPts val="1100"/>
-              <a:buChar char="●"/>
-            </a:pPr>
-            <a:r>
-              <a:rPr lang="de-DE" sz="1100">
-                <a:solidFill>
-                  <a:schemeClr val="dk1"/>
-                </a:solidFill>
-              </a:rPr>
-              <a:t>Risiko: Generalisierung ohne ausreichende Datenbasis</a:t>
-            </a:r>
-            <a:endParaRPr sz="1100">
-              <a:solidFill>
-                <a:schemeClr val="dk1"/>
-              </a:solidFill>
-            </a:endParaRPr>
-          </a:p>
-          <a:p>
-            <a:pPr indent="0" lvl="0" marL="0" rtl="0" algn="ctr">
-              <a:spcBef>
-                <a:spcPts val="1200"/>
-              </a:spcBef>
-              <a:spcAft>
-                <a:spcPts val="0"/>
-              </a:spcAft>
               <a:buNone/>
             </a:pPr>
             <a:r>
               <a:t/>
             </a:r>
-            <a:endParaRPr b="1" sz="3000">
-              <a:solidFill>
-                <a:srgbClr val="009EDA"/>
-              </a:solidFill>
-            </a:endParaRPr>
+            <a:endParaRPr sz="1320"/>
           </a:p>
         </p:txBody>
       </p:sp>
       <p:sp>
         <p:nvSpPr>
-          <p:cNvPr id="376" name="Google Shape;376;p53"/>
+          <p:cNvPr id="377" name="Google Shape;377;p53"/>
           <p:cNvSpPr txBox="1"/>
           <p:nvPr>
             <p:ph idx="12" type="sldNum"/>
@@ -41696,8 +41543,8 @@
         </p:nvSpPr>
         <p:spPr>
           <a:xfrm>
-            <a:off x="7650000" y="5130000"/>
-            <a:ext cx="1890000" cy="450000"/>
+            <a:off x="7200000" y="5130000"/>
+            <a:ext cx="2340000" cy="450000"/>
           </a:xfrm>
           <a:prstGeom prst="rect">
             <a:avLst/>
@@ -41768,7 +41615,7 @@
     </p:bg>
     <p:spTree>
       <p:nvGrpSpPr>
-        <p:cNvPr id="380" name="Shape 380"/>
+        <p:cNvPr id="381" name="Shape 381"/>
         <p:cNvGrpSpPr/>
         <p:nvPr/>
       </p:nvGrpSpPr>
@@ -41782,7 +41629,7 @@
       </p:grpSpPr>
       <p:sp>
         <p:nvSpPr>
-          <p:cNvPr id="381" name="Google Shape;381;p54"/>
+          <p:cNvPr id="382" name="Google Shape;382;p54"/>
           <p:cNvSpPr txBox="1"/>
           <p:nvPr>
             <p:ph type="title"/>
@@ -41843,7 +41690,7 @@
       </p:sp>
       <p:sp>
         <p:nvSpPr>
-          <p:cNvPr id="382" name="Google Shape;382;p54"/>
+          <p:cNvPr id="383" name="Google Shape;383;p54"/>
           <p:cNvSpPr txBox="1"/>
           <p:nvPr>
             <p:ph idx="1" type="body"/>
@@ -41883,10 +41730,10 @@
               <a:buNone/>
             </a:pPr>
             <a:r>
-              <a:rPr lang="de-DE" sz="2400"/>
+              <a:rPr b="1" lang="de-DE" sz="2400"/>
               <a:t>1. Datenerhebung &amp; Validierung – Wie?</a:t>
             </a:r>
-            <a:endParaRPr sz="2400"/>
+            <a:endParaRPr b="1" sz="2400"/>
           </a:p>
           <a:p>
             <a:pPr indent="0" lvl="0" marL="0" rtl="0" algn="l">
@@ -41966,10 +41813,10 @@
               <a:buNone/>
             </a:pPr>
             <a:r>
-              <a:rPr lang="de-DE" sz="2400"/>
+              <a:rPr b="1" lang="de-DE" sz="2400"/>
               <a:t>2. Analyse der Altersarmut – Wie?</a:t>
             </a:r>
-            <a:endParaRPr sz="2400"/>
+            <a:endParaRPr b="1" sz="2400"/>
           </a:p>
           <a:p>
             <a:pPr indent="0" lvl="0" marL="0" rtl="0" algn="l">
@@ -42049,10 +41896,10 @@
               <a:buNone/>
             </a:pPr>
             <a:r>
-              <a:rPr lang="de-DE" sz="2400"/>
+              <a:rPr b="1" lang="de-DE" sz="2400"/>
               <a:t>3. Visualisierung – Wie?</a:t>
             </a:r>
-            <a:endParaRPr sz="2400"/>
+            <a:endParaRPr b="1" sz="2400"/>
           </a:p>
           <a:p>
             <a:pPr indent="0" lvl="0" marL="0" rtl="0" algn="l">
@@ -42137,7 +41984,7 @@
       </p:sp>
       <p:sp>
         <p:nvSpPr>
-          <p:cNvPr id="383" name="Google Shape;383;p54"/>
+          <p:cNvPr id="384" name="Google Shape;384;p54"/>
           <p:cNvSpPr txBox="1"/>
           <p:nvPr>
             <p:ph idx="12" type="sldNum"/>
@@ -42205,7 +42052,7 @@
   <p:cSld>
     <p:spTree>
       <p:nvGrpSpPr>
-        <p:cNvPr id="387" name="Shape 387"/>
+        <p:cNvPr id="388" name="Shape 388"/>
         <p:cNvGrpSpPr/>
         <p:nvPr/>
       </p:nvGrpSpPr>
@@ -42219,7 +42066,7 @@
       </p:grpSpPr>
       <p:sp>
         <p:nvSpPr>
-          <p:cNvPr id="388" name="Google Shape;388;p55"/>
+          <p:cNvPr id="389" name="Google Shape;389;p55"/>
           <p:cNvSpPr txBox="1"/>
           <p:nvPr>
             <p:ph type="title"/>
@@ -42267,7 +42114,7 @@
       </p:sp>
       <p:sp>
         <p:nvSpPr>
-          <p:cNvPr id="389" name="Google Shape;389;p55"/>
+          <p:cNvPr id="390" name="Google Shape;390;p55"/>
           <p:cNvSpPr txBox="1"/>
           <p:nvPr>
             <p:ph idx="1" type="body"/>
@@ -42303,10 +42150,10 @@
               <a:buNone/>
             </a:pPr>
             <a:r>
-              <a:rPr lang="de-DE"/>
+              <a:rPr b="1" lang="de-DE" sz="2400"/>
               <a:t>4. Korrelation Rentenausgaben ↔ Altersarmut – Wie?</a:t>
             </a:r>
-            <a:endParaRPr/>
+            <a:endParaRPr b="1" sz="2400"/>
           </a:p>
           <a:p>
             <a:pPr indent="0" lvl="0" marL="0" rtl="0" algn="l">
@@ -42324,10 +42171,10 @@
               <a:buNone/>
             </a:pPr>
             <a:r>
-              <a:rPr lang="de-DE"/>
-              <a:t>   • Pearson-Koeffizient + lineare Regression (statsmodels)  </a:t>
+              <a:rPr lang="de-DE" sz="2400"/>
+              <a:t>   • Pearson-Koeffizient + lineare Regression </a:t>
             </a:r>
-            <a:endParaRPr/>
+            <a:endParaRPr sz="2400"/>
           </a:p>
           <a:p>
             <a:pPr indent="0" lvl="0" marL="0" rtl="0" algn="l">
@@ -42340,10 +42187,10 @@
               <a:buNone/>
             </a:pPr>
             <a:r>
-              <a:rPr lang="de-DE"/>
+              <a:rPr lang="de-DE" sz="2400"/>
               <a:t>   • Drittvariablen-Check (z. B. Bildung)</a:t>
             </a:r>
-            <a:endParaRPr/>
+            <a:endParaRPr sz="2400"/>
           </a:p>
           <a:p>
             <a:pPr indent="0" lvl="0" marL="0" rtl="0" algn="l">
@@ -42363,7 +42210,7 @@
             <a:r>
               <a:t/>
             </a:r>
-            <a:endParaRPr/>
+            <a:endParaRPr sz="2400"/>
           </a:p>
           <a:p>
             <a:pPr indent="0" lvl="0" marL="0" rtl="0" algn="l">
@@ -42381,10 +42228,10 @@
               <a:buNone/>
             </a:pPr>
             <a:r>
-              <a:rPr lang="de-DE"/>
+              <a:rPr b="1" lang="de-DE" sz="2400"/>
               <a:t>5. Politische Empfehlungen – Wie?</a:t>
             </a:r>
-            <a:endParaRPr/>
+            <a:endParaRPr b="1" sz="2400"/>
           </a:p>
           <a:p>
             <a:pPr indent="0" lvl="0" marL="0" rtl="0" algn="l">
@@ -42402,10 +42249,10 @@
               <a:buNone/>
             </a:pPr>
             <a:r>
-              <a:rPr lang="de-DE"/>
+              <a:rPr lang="de-DE" sz="2400"/>
               <a:t>   • Bericht + Kern­grafiken  </a:t>
             </a:r>
-            <a:endParaRPr/>
+            <a:endParaRPr sz="2400"/>
           </a:p>
           <a:p>
             <a:pPr indent="0" lvl="0" marL="0" rtl="0" algn="l">
@@ -42423,10 +42270,10 @@
               <a:buNone/>
             </a:pPr>
             <a:r>
-              <a:rPr lang="de-DE"/>
+              <a:rPr lang="de-DE" sz="2400"/>
               <a:t>   • Klare Tipps zu Ausgaben­quoten &amp; Monitoring</a:t>
             </a:r>
-            <a:endParaRPr/>
+            <a:endParaRPr sz="2400"/>
           </a:p>
           <a:p>
             <a:pPr indent="0" lvl="0" marL="0" rtl="0" algn="l">
@@ -42478,7 +42325,7 @@
   <p:cSld>
     <p:spTree>
       <p:nvGrpSpPr>
-        <p:cNvPr id="393" name="Shape 393"/>
+        <p:cNvPr id="394" name="Shape 394"/>
         <p:cNvGrpSpPr/>
         <p:nvPr/>
       </p:nvGrpSpPr>
@@ -42492,7 +42339,7 @@
       </p:grpSpPr>
       <p:sp>
         <p:nvSpPr>
-          <p:cNvPr id="394" name="Google Shape;394;p56"/>
+          <p:cNvPr id="395" name="Google Shape;395;p56"/>
           <p:cNvSpPr txBox="1"/>
           <p:nvPr>
             <p:ph idx="1" type="subTitle"/>
@@ -42548,7 +42395,7 @@
       </p:sp>
       <p:sp>
         <p:nvSpPr>
-          <p:cNvPr id="395" name="Google Shape;395;p56"/>
+          <p:cNvPr id="396" name="Google Shape;396;p56"/>
           <p:cNvSpPr txBox="1"/>
           <p:nvPr>
             <p:ph idx="12" type="sldNum"/>
@@ -44727,9 +44574,9 @@
 </file>
 
 <file path=ppt/theme/theme1.xml><?xml version="1.0" encoding="utf-8"?>
-<a:theme xmlns:a="http://schemas.openxmlformats.org/drawingml/2006/main" xmlns:r="http://schemas.openxmlformats.org/officeDocument/2006/relationships" name="Office Theme">
+<a:theme xmlns:a="http://schemas.openxmlformats.org/drawingml/2006/main" xmlns:r="http://schemas.openxmlformats.org/officeDocument/2006/relationships">
   <a:themeElements>
-    <a:clrScheme name="Office">
+    <a:clrScheme name="Default">
       <a:dk1>
         <a:srgbClr val="000000"/>
       </a:dk1>
@@ -44737,34 +44584,34 @@
         <a:srgbClr val="FFFFFF"/>
       </a:lt1>
       <a:dk2>
-        <a:srgbClr val="1F497D"/>
+        <a:srgbClr val="158158"/>
       </a:dk2>
       <a:lt2>
-        <a:srgbClr val="EEECE1"/>
+        <a:srgbClr val="F3F3F3"/>
       </a:lt2>
       <a:accent1>
-        <a:srgbClr val="4F81BD"/>
+        <a:srgbClr val="058DC7"/>
       </a:accent1>
       <a:accent2>
-        <a:srgbClr val="C0504D"/>
+        <a:srgbClr val="50B432"/>
       </a:accent2>
       <a:accent3>
-        <a:srgbClr val="9BBB59"/>
+        <a:srgbClr val="ED561B"/>
       </a:accent3>
       <a:accent4>
-        <a:srgbClr val="8064A2"/>
+        <a:srgbClr val="EDEF00"/>
       </a:accent4>
       <a:accent5>
-        <a:srgbClr val="4BACC6"/>
+        <a:srgbClr val="24CBE5"/>
       </a:accent5>
       <a:accent6>
-        <a:srgbClr val="F79646"/>
+        <a:srgbClr val="64E572"/>
       </a:accent6>
       <a:hlink>
-        <a:srgbClr val="0000FF"/>
+        <a:srgbClr val="2200CC"/>
       </a:hlink>
       <a:folHlink>
-        <a:srgbClr val="800080"/>
+        <a:srgbClr val="551A8B"/>
       </a:folHlink>
     </a:clrScheme>
     <a:fontScheme name="Office">
@@ -45564,9 +45411,9 @@
 </file>
 
 <file path=ppt/theme/theme4.xml><?xml version="1.0" encoding="utf-8"?>
-<a:theme xmlns:a="http://schemas.openxmlformats.org/drawingml/2006/main" xmlns:r="http://schemas.openxmlformats.org/officeDocument/2006/relationships">
+<a:theme xmlns:a="http://schemas.openxmlformats.org/drawingml/2006/main" xmlns:r="http://schemas.openxmlformats.org/officeDocument/2006/relationships" name="Office Theme">
   <a:themeElements>
-    <a:clrScheme name="Default">
+    <a:clrScheme name="Office">
       <a:dk1>
         <a:srgbClr val="000000"/>
       </a:dk1>
@@ -45574,34 +45421,34 @@
         <a:srgbClr val="FFFFFF"/>
       </a:lt1>
       <a:dk2>
-        <a:srgbClr val="158158"/>
+        <a:srgbClr val="1F497D"/>
       </a:dk2>
       <a:lt2>
-        <a:srgbClr val="F3F3F3"/>
+        <a:srgbClr val="EEECE1"/>
       </a:lt2>
       <a:accent1>
-        <a:srgbClr val="058DC7"/>
+        <a:srgbClr val="4F81BD"/>
       </a:accent1>
       <a:accent2>
-        <a:srgbClr val="50B432"/>
+        <a:srgbClr val="C0504D"/>
       </a:accent2>
       <a:accent3>
-        <a:srgbClr val="ED561B"/>
+        <a:srgbClr val="9BBB59"/>
       </a:accent3>
       <a:accent4>
-        <a:srgbClr val="EDEF00"/>
+        <a:srgbClr val="8064A2"/>
       </a:accent4>
       <a:accent5>
-        <a:srgbClr val="24CBE5"/>
+        <a:srgbClr val="4BACC6"/>
       </a:accent5>
       <a:accent6>
-        <a:srgbClr val="64E572"/>
+        <a:srgbClr val="F79646"/>
       </a:accent6>
       <a:hlink>
-        <a:srgbClr val="2200CC"/>
+        <a:srgbClr val="0000FF"/>
       </a:hlink>
       <a:folHlink>
-        <a:srgbClr val="551A8B"/>
+        <a:srgbClr val="800080"/>
       </a:folHlink>
     </a:clrScheme>
     <a:fontScheme name="Office">
